--- a/파이썬기초(PPT)/파이썬 기초 11강_파일입출력.pptx
+++ b/파이썬기초(PPT)/파이썬 기초 11강_파일입출력.pptx
@@ -470,7 +470,7 @@
           <a:p>
             <a:fld id="{FB30EDBD-1C2D-4C1E-B459-B60219FAB484}" type="datetimeFigureOut">
               <a:rPr lang="ko-KR" altLang="en-US" smtClean="0"/>
-              <a:t>2021-02-07</a:t>
+              <a:t>2021-02-21</a:t>
             </a:fld>
             <a:endParaRPr lang="ko-KR" altLang="en-US"/>
           </a:p>
@@ -633,7 +633,7 @@
           <a:p>
             <a:fld id="{FB30EDBD-1C2D-4C1E-B459-B60219FAB484}" type="datetimeFigureOut">
               <a:rPr lang="ko-KR" altLang="en-US" smtClean="0"/>
-              <a:t>2021-02-07</a:t>
+              <a:t>2021-02-21</a:t>
             </a:fld>
             <a:endParaRPr lang="ko-KR" altLang="en-US"/>
           </a:p>
@@ -806,7 +806,7 @@
           <a:p>
             <a:fld id="{FB30EDBD-1C2D-4C1E-B459-B60219FAB484}" type="datetimeFigureOut">
               <a:rPr lang="ko-KR" altLang="en-US" smtClean="0"/>
-              <a:t>2021-02-07</a:t>
+              <a:t>2021-02-21</a:t>
             </a:fld>
             <a:endParaRPr lang="ko-KR" altLang="en-US"/>
           </a:p>
@@ -969,7 +969,7 @@
           <a:p>
             <a:fld id="{FB30EDBD-1C2D-4C1E-B459-B60219FAB484}" type="datetimeFigureOut">
               <a:rPr lang="ko-KR" altLang="en-US" smtClean="0"/>
-              <a:t>2021-02-07</a:t>
+              <a:t>2021-02-21</a:t>
             </a:fld>
             <a:endParaRPr lang="ko-KR" altLang="en-US"/>
           </a:p>
@@ -1209,7 +1209,7 @@
           <a:p>
             <a:fld id="{FB30EDBD-1C2D-4C1E-B459-B60219FAB484}" type="datetimeFigureOut">
               <a:rPr lang="ko-KR" altLang="en-US" smtClean="0"/>
-              <a:t>2021-02-07</a:t>
+              <a:t>2021-02-21</a:t>
             </a:fld>
             <a:endParaRPr lang="ko-KR" altLang="en-US"/>
           </a:p>
@@ -1489,7 +1489,7 @@
           <a:p>
             <a:fld id="{FB30EDBD-1C2D-4C1E-B459-B60219FAB484}" type="datetimeFigureOut">
               <a:rPr lang="ko-KR" altLang="en-US" smtClean="0"/>
-              <a:t>2021-02-07</a:t>
+              <a:t>2021-02-21</a:t>
             </a:fld>
             <a:endParaRPr lang="ko-KR" altLang="en-US"/>
           </a:p>
@@ -1903,7 +1903,7 @@
           <a:p>
             <a:fld id="{FB30EDBD-1C2D-4C1E-B459-B60219FAB484}" type="datetimeFigureOut">
               <a:rPr lang="ko-KR" altLang="en-US" smtClean="0"/>
-              <a:t>2021-02-07</a:t>
+              <a:t>2021-02-21</a:t>
             </a:fld>
             <a:endParaRPr lang="ko-KR" altLang="en-US"/>
           </a:p>
@@ -2015,7 +2015,7 @@
           <a:p>
             <a:fld id="{FB30EDBD-1C2D-4C1E-B459-B60219FAB484}" type="datetimeFigureOut">
               <a:rPr lang="ko-KR" altLang="en-US" smtClean="0"/>
-              <a:t>2021-02-07</a:t>
+              <a:t>2021-02-21</a:t>
             </a:fld>
             <a:endParaRPr lang="ko-KR" altLang="en-US"/>
           </a:p>
@@ -2105,7 +2105,7 @@
           <a:p>
             <a:fld id="{FB30EDBD-1C2D-4C1E-B459-B60219FAB484}" type="datetimeFigureOut">
               <a:rPr lang="ko-KR" altLang="en-US" smtClean="0"/>
-              <a:t>2021-02-07</a:t>
+              <a:t>2021-02-21</a:t>
             </a:fld>
             <a:endParaRPr lang="ko-KR" altLang="en-US"/>
           </a:p>
@@ -2375,7 +2375,7 @@
           <a:p>
             <a:fld id="{FB30EDBD-1C2D-4C1E-B459-B60219FAB484}" type="datetimeFigureOut">
               <a:rPr lang="ko-KR" altLang="en-US" smtClean="0"/>
-              <a:t>2021-02-07</a:t>
+              <a:t>2021-02-21</a:t>
             </a:fld>
             <a:endParaRPr lang="ko-KR" altLang="en-US"/>
           </a:p>
@@ -2622,7 +2622,7 @@
           <a:p>
             <a:fld id="{FB30EDBD-1C2D-4C1E-B459-B60219FAB484}" type="datetimeFigureOut">
               <a:rPr lang="ko-KR" altLang="en-US" smtClean="0"/>
-              <a:t>2021-02-07</a:t>
+              <a:t>2021-02-21</a:t>
             </a:fld>
             <a:endParaRPr lang="ko-KR" altLang="en-US"/>
           </a:p>
@@ -2828,7 +2828,7 @@
           <a:p>
             <a:fld id="{FB30EDBD-1C2D-4C1E-B459-B60219FAB484}" type="datetimeFigureOut">
               <a:rPr lang="ko-KR" altLang="en-US" smtClean="0"/>
-              <a:t>2021-02-07</a:t>
+              <a:t>2021-02-21</a:t>
             </a:fld>
             <a:endParaRPr lang="ko-KR" altLang="en-US"/>
           </a:p>
@@ -4135,18 +4135,6 @@
   <p:clrMapOvr>
     <a:masterClrMapping/>
   </p:clrMapOvr>
-  <mc:AlternateContent xmlns:mc="http://schemas.openxmlformats.org/markup-compatibility/2006">
-    <mc:Choice xmlns:p159="http://schemas.microsoft.com/office/powerpoint/2015/09/main" Requires="p159">
-      <p:transition xmlns:p14="http://schemas.microsoft.com/office/powerpoint/2010/main" spd="slow" p14:dur="2000">
-        <p159:morph option="byObject"/>
-      </p:transition>
-    </mc:Choice>
-    <mc:Fallback>
-      <p:transition spd="slow">
-        <p:fade/>
-      </p:transition>
-    </mc:Fallback>
-  </mc:AlternateContent>
 </p:sld>
 </file>
 
@@ -4483,18 +4471,6 @@
   <p:clrMapOvr>
     <a:masterClrMapping/>
   </p:clrMapOvr>
-  <mc:AlternateContent xmlns:mc="http://schemas.openxmlformats.org/markup-compatibility/2006">
-    <mc:Choice xmlns:p159="http://schemas.microsoft.com/office/powerpoint/2015/09/main" Requires="p159">
-      <p:transition xmlns:p14="http://schemas.microsoft.com/office/powerpoint/2010/main" spd="slow" p14:dur="2000">
-        <p159:morph option="byObject"/>
-      </p:transition>
-    </mc:Choice>
-    <mc:Fallback>
-      <p:transition spd="slow">
-        <p:fade/>
-      </p:transition>
-    </mc:Fallback>
-  </mc:AlternateContent>
 </p:sld>
 </file>
 
@@ -5007,18 +4983,6 @@
   <p:clrMapOvr>
     <a:masterClrMapping/>
   </p:clrMapOvr>
-  <mc:AlternateContent xmlns:mc="http://schemas.openxmlformats.org/markup-compatibility/2006">
-    <mc:Choice xmlns:p159="http://schemas.microsoft.com/office/powerpoint/2015/09/main" Requires="p159">
-      <p:transition xmlns:p14="http://schemas.microsoft.com/office/powerpoint/2010/main" spd="slow" p14:dur="2000">
-        <p159:morph option="byObject"/>
-      </p:transition>
-    </mc:Choice>
-    <mc:Fallback>
-      <p:transition spd="slow">
-        <p:fade/>
-      </p:transition>
-    </mc:Fallback>
-  </mc:AlternateContent>
   <p:timing>
     <p:tnLst>
       <p:par>
@@ -5721,18 +5685,6 @@
   <p:clrMapOvr>
     <a:masterClrMapping/>
   </p:clrMapOvr>
-  <mc:AlternateContent xmlns:mc="http://schemas.openxmlformats.org/markup-compatibility/2006">
-    <mc:Choice xmlns:p159="http://schemas.microsoft.com/office/powerpoint/2015/09/main" Requires="p159">
-      <p:transition xmlns:p14="http://schemas.microsoft.com/office/powerpoint/2010/main" spd="slow" p14:dur="2000">
-        <p159:morph option="byObject"/>
-      </p:transition>
-    </mc:Choice>
-    <mc:Fallback>
-      <p:transition spd="slow">
-        <p:fade/>
-      </p:transition>
-    </mc:Fallback>
-  </mc:AlternateContent>
 </p:sld>
 </file>
 
@@ -6107,18 +6059,6 @@
   <p:clrMapOvr>
     <a:masterClrMapping/>
   </p:clrMapOvr>
-  <mc:AlternateContent xmlns:mc="http://schemas.openxmlformats.org/markup-compatibility/2006">
-    <mc:Choice xmlns:p159="http://schemas.microsoft.com/office/powerpoint/2015/09/main" Requires="p159">
-      <p:transition xmlns:p14="http://schemas.microsoft.com/office/powerpoint/2010/main" spd="slow" p14:dur="2000">
-        <p159:morph option="byObject"/>
-      </p:transition>
-    </mc:Choice>
-    <mc:Fallback>
-      <p:transition spd="slow">
-        <p:fade/>
-      </p:transition>
-    </mc:Fallback>
-  </mc:AlternateContent>
 </p:sld>
 </file>
 
@@ -6611,18 +6551,6 @@
   <p:clrMapOvr>
     <a:masterClrMapping/>
   </p:clrMapOvr>
-  <mc:AlternateContent xmlns:mc="http://schemas.openxmlformats.org/markup-compatibility/2006" xmlns:p159="http://schemas.microsoft.com/office/powerpoint/2015/09/main">
-    <mc:Choice Requires="p159">
-      <p:transition xmlns:p14="http://schemas.microsoft.com/office/powerpoint/2010/main" spd="slow" p14:dur="2000">
-        <p159:morph option="byObject"/>
-      </p:transition>
-    </mc:Choice>
-    <mc:Fallback xmlns="">
-      <p:transition spd="slow">
-        <p:fade/>
-      </p:transition>
-    </mc:Fallback>
-  </mc:AlternateContent>
 </p:sld>
 </file>
 
@@ -6745,18 +6673,6 @@
   <p:clrMapOvr>
     <a:masterClrMapping/>
   </p:clrMapOvr>
-  <mc:AlternateContent xmlns:mc="http://schemas.openxmlformats.org/markup-compatibility/2006" xmlns:p159="http://schemas.microsoft.com/office/powerpoint/2015/09/main">
-    <mc:Choice Requires="p159">
-      <p:transition xmlns:p14="http://schemas.microsoft.com/office/powerpoint/2010/main" spd="slow" p14:dur="2000">
-        <p159:morph option="byObject"/>
-      </p:transition>
-    </mc:Choice>
-    <mc:Fallback xmlns="">
-      <p:transition spd="slow">
-        <p:fade/>
-      </p:transition>
-    </mc:Fallback>
-  </mc:AlternateContent>
 </p:sld>
 </file>
 
@@ -7016,18 +6932,6 @@
   <p:clrMapOvr>
     <a:masterClrMapping/>
   </p:clrMapOvr>
-  <mc:AlternateContent xmlns:mc="http://schemas.openxmlformats.org/markup-compatibility/2006" xmlns:p159="http://schemas.microsoft.com/office/powerpoint/2015/09/main">
-    <mc:Choice Requires="p159">
-      <p:transition xmlns:p14="http://schemas.microsoft.com/office/powerpoint/2010/main" spd="slow" p14:dur="2000">
-        <p159:morph option="byObject"/>
-      </p:transition>
-    </mc:Choice>
-    <mc:Fallback xmlns="">
-      <p:transition spd="slow">
-        <p:fade/>
-      </p:transition>
-    </mc:Fallback>
-  </mc:AlternateContent>
 </p:sld>
 </file>
 
@@ -7324,18 +7228,6 @@
   <p:clrMapOvr>
     <a:masterClrMapping/>
   </p:clrMapOvr>
-  <mc:AlternateContent xmlns:mc="http://schemas.openxmlformats.org/markup-compatibility/2006">
-    <mc:Choice xmlns:p159="http://schemas.microsoft.com/office/powerpoint/2015/09/main" Requires="p159">
-      <p:transition xmlns:p14="http://schemas.microsoft.com/office/powerpoint/2010/main" spd="slow" p14:dur="2000">
-        <p159:morph option="byObject"/>
-      </p:transition>
-    </mc:Choice>
-    <mc:Fallback>
-      <p:transition spd="slow">
-        <p:fade/>
-      </p:transition>
-    </mc:Fallback>
-  </mc:AlternateContent>
 </p:sld>
 </file>
 
@@ -7692,18 +7584,6 @@
   <p:clrMapOvr>
     <a:masterClrMapping/>
   </p:clrMapOvr>
-  <mc:AlternateContent xmlns:mc="http://schemas.openxmlformats.org/markup-compatibility/2006">
-    <mc:Choice xmlns:p159="http://schemas.microsoft.com/office/powerpoint/2015/09/main" Requires="p159">
-      <p:transition xmlns:p14="http://schemas.microsoft.com/office/powerpoint/2010/main" spd="slow" p14:dur="2000">
-        <p159:morph option="byObject"/>
-      </p:transition>
-    </mc:Choice>
-    <mc:Fallback>
-      <p:transition spd="slow">
-        <p:fade/>
-      </p:transition>
-    </mc:Fallback>
-  </mc:AlternateContent>
 </p:sld>
 </file>
 
@@ -8055,18 +7935,6 @@
   <p:clrMapOvr>
     <a:masterClrMapping/>
   </p:clrMapOvr>
-  <mc:AlternateContent xmlns:mc="http://schemas.openxmlformats.org/markup-compatibility/2006">
-    <mc:Choice xmlns:p159="http://schemas.microsoft.com/office/powerpoint/2015/09/main" Requires="p159">
-      <p:transition xmlns:p14="http://schemas.microsoft.com/office/powerpoint/2010/main" spd="slow" p14:dur="2000">
-        <p159:morph option="byObject"/>
-      </p:transition>
-    </mc:Choice>
-    <mc:Fallback>
-      <p:transition spd="slow">
-        <p:fade/>
-      </p:transition>
-    </mc:Fallback>
-  </mc:AlternateContent>
 </p:sld>
 </file>
 
@@ -8471,18 +8339,6 @@
   <p:clrMapOvr>
     <a:masterClrMapping/>
   </p:clrMapOvr>
-  <mc:AlternateContent xmlns:mc="http://schemas.openxmlformats.org/markup-compatibility/2006">
-    <mc:Choice xmlns:p159="http://schemas.microsoft.com/office/powerpoint/2015/09/main" Requires="p159">
-      <p:transition xmlns:p14="http://schemas.microsoft.com/office/powerpoint/2010/main" spd="slow" p14:dur="2000">
-        <p159:morph option="byObject"/>
-      </p:transition>
-    </mc:Choice>
-    <mc:Fallback>
-      <p:transition spd="slow">
-        <p:fade/>
-      </p:transition>
-    </mc:Fallback>
-  </mc:AlternateContent>
   <p:timing>
     <p:tnLst>
       <p:par>
@@ -8998,18 +8854,6 @@
   <p:clrMapOvr>
     <a:masterClrMapping/>
   </p:clrMapOvr>
-  <mc:AlternateContent xmlns:mc="http://schemas.openxmlformats.org/markup-compatibility/2006">
-    <mc:Choice xmlns:p159="http://schemas.microsoft.com/office/powerpoint/2015/09/main" Requires="p159">
-      <p:transition xmlns:p14="http://schemas.microsoft.com/office/powerpoint/2010/main" spd="slow" p14:dur="2000">
-        <p159:morph option="byObject"/>
-      </p:transition>
-    </mc:Choice>
-    <mc:Fallback>
-      <p:transition spd="slow">
-        <p:fade/>
-      </p:transition>
-    </mc:Fallback>
-  </mc:AlternateContent>
 </p:sld>
 </file>
 
